--- a/PPTs/ProgramacionII_Clase_01-2018.pptx
+++ b/PPTs/ProgramacionII_Clase_01-2018.pptx
@@ -408,7 +408,7 @@
           <a:p>
             <a:fld id="{78ABE3C1-DBE1-495D-B57B-2849774B866A}" type="datetimeFigureOut">
               <a:rPr lang="en-US" dirty="0"/>
-              <a:t>8/30/2018</a:t>
+              <a:t>9/17/2018</a:t>
             </a:fld>
             <a:endParaRPr lang="en-US" dirty="0"/>
           </a:p>
@@ -817,7 +817,7 @@
           <a:p>
             <a:fld id="{446C117F-5CCF-4837-BE5F-2B92066CAFAF}" type="datetimeFigureOut">
               <a:rPr lang="en-US" dirty="0"/>
-              <a:t>8/30/2018</a:t>
+              <a:t>9/17/2018</a:t>
             </a:fld>
             <a:endParaRPr lang="en-US" dirty="0"/>
           </a:p>
@@ -1148,7 +1148,7 @@
           <a:p>
             <a:fld id="{84EB90BD-B6CE-46B7-997F-7313B992CCDC}" type="datetimeFigureOut">
               <a:rPr lang="en-US" dirty="0"/>
-              <a:t>8/30/2018</a:t>
+              <a:t>9/17/2018</a:t>
             </a:fld>
             <a:endParaRPr lang="en-US" dirty="0"/>
           </a:p>
@@ -1548,7 +1548,7 @@
           <a:p>
             <a:fld id="{CDB9D11F-B188-461D-B23F-39381795C052}" type="datetimeFigureOut">
               <a:rPr lang="en-US" dirty="0"/>
-              <a:t>8/30/2018</a:t>
+              <a:t>9/17/2018</a:t>
             </a:fld>
             <a:endParaRPr lang="en-US" dirty="0"/>
           </a:p>
@@ -2111,7 +2111,7 @@
           <a:p>
             <a:fld id="{52E6D8D9-55A2-4063-B0F3-121F44549695}" type="datetimeFigureOut">
               <a:rPr lang="en-US" dirty="0"/>
-              <a:t>8/30/2018</a:t>
+              <a:t>9/17/2018</a:t>
             </a:fld>
             <a:endParaRPr lang="en-US" dirty="0"/>
           </a:p>
@@ -2787,7 +2787,7 @@
           <a:p>
             <a:fld id="{D4B24536-994D-4021-A283-9F449C0DB509}" type="datetimeFigureOut">
               <a:rPr lang="en-US" dirty="0"/>
-              <a:t>8/30/2018</a:t>
+              <a:t>9/17/2018</a:t>
             </a:fld>
             <a:endParaRPr lang="en-US" dirty="0"/>
           </a:p>
@@ -3695,7 +3695,7 @@
           <a:p>
             <a:fld id="{3CBBBB78-C96F-47B7-AB17-D852CA960AC9}" type="datetimeFigureOut">
               <a:rPr lang="en-US" dirty="0"/>
-              <a:t>8/30/2018</a:t>
+              <a:t>9/17/2018</a:t>
             </a:fld>
             <a:endParaRPr lang="en-US" dirty="0"/>
           </a:p>
@@ -4003,7 +4003,7 @@
           <a:p>
             <a:fld id="{1FA3F48C-C7C6-4055-9F49-3777875E72AE}" type="datetimeFigureOut">
               <a:rPr lang="en-US" dirty="0"/>
-              <a:t>8/30/2018</a:t>
+              <a:t>9/17/2018</a:t>
             </a:fld>
             <a:endParaRPr lang="en-US" dirty="0"/>
           </a:p>
@@ -4262,7 +4262,7 @@
           <a:p>
             <a:fld id="{6178E61D-D431-422C-9764-11DAFE33AB63}" type="datetimeFigureOut">
               <a:rPr lang="en-US" dirty="0"/>
-              <a:t>8/30/2018</a:t>
+              <a:t>9/17/2018</a:t>
             </a:fld>
             <a:endParaRPr lang="en-US" dirty="0"/>
           </a:p>
@@ -4581,7 +4581,7 @@
           <a:p>
             <a:fld id="{12DE42F4-6EEF-4EF7-8ED4-2208F0F89A08}" type="datetimeFigureOut">
               <a:rPr lang="en-US" dirty="0"/>
-              <a:t>8/30/2018</a:t>
+              <a:t>9/17/2018</a:t>
             </a:fld>
             <a:endParaRPr lang="en-US" dirty="0"/>
           </a:p>
@@ -4965,7 +4965,7 @@
           <a:p>
             <a:fld id="{30578ACC-22D6-47C1-A373-4FD133E34F3C}" type="datetimeFigureOut">
               <a:rPr lang="en-US" dirty="0"/>
-              <a:t>8/30/2018</a:t>
+              <a:t>9/17/2018</a:t>
             </a:fld>
             <a:endParaRPr lang="en-US" dirty="0"/>
           </a:p>
@@ -5336,7 +5336,7 @@
           <a:p>
             <a:fld id="{4E5A6C69-6797-4E8A-BF37-F2C3751466E9}" type="datetimeFigureOut">
               <a:rPr lang="en-US" dirty="0"/>
-              <a:t>8/30/2018</a:t>
+              <a:t>9/17/2018</a:t>
             </a:fld>
             <a:endParaRPr lang="en-US" dirty="0"/>
           </a:p>
@@ -5837,7 +5837,7 @@
           <a:p>
             <a:fld id="{D82014A1-A632-4878-A0D3-F52BA7563730}" type="datetimeFigureOut">
               <a:rPr lang="en-US" dirty="0"/>
-              <a:t>8/30/2018</a:t>
+              <a:t>9/17/2018</a:t>
             </a:fld>
             <a:endParaRPr lang="en-US" dirty="0"/>
           </a:p>
@@ -6089,7 +6089,7 @@
           <a:p>
             <a:fld id="{CE99F462-093F-4566-844B-4C71F2739DA5}" type="datetimeFigureOut">
               <a:rPr lang="en-US" dirty="0"/>
-              <a:t>8/30/2018</a:t>
+              <a:t>9/17/2018</a:t>
             </a:fld>
             <a:endParaRPr lang="en-US" dirty="0"/>
           </a:p>
@@ -6247,7 +6247,7 @@
           <a:p>
             <a:fld id="{3D24A7AC-904D-4781-85BA-7D10C17ED021}" type="datetimeFigureOut">
               <a:rPr lang="en-US" dirty="0"/>
-              <a:t>8/30/2018</a:t>
+              <a:t>9/17/2018</a:t>
             </a:fld>
             <a:endParaRPr lang="en-US" dirty="0"/>
           </a:p>
@@ -6632,7 +6632,7 @@
           <a:p>
             <a:fld id="{E331444B-B92B-4E27-8C94-BB93EAF5CB18}" type="datetimeFigureOut">
               <a:rPr lang="en-US" dirty="0"/>
-              <a:t>8/30/2018</a:t>
+              <a:t>9/17/2018</a:t>
             </a:fld>
             <a:endParaRPr lang="en-US" dirty="0"/>
           </a:p>
@@ -7036,7 +7036,7 @@
           <a:p>
             <a:fld id="{363EFA5E-FA76-400D-B3DC-F0BA90E6D107}" type="datetimeFigureOut">
               <a:rPr lang="en-US" dirty="0"/>
-              <a:t>8/30/2018</a:t>
+              <a:t>9/17/2018</a:t>
             </a:fld>
             <a:endParaRPr lang="en-US" dirty="0"/>
           </a:p>
@@ -7275,7 +7275,7 @@
           <a:p>
             <a:fld id="{9D6E9DEC-419B-4CC5-A080-3B06BD5A8291}" type="datetimeFigureOut">
               <a:rPr lang="en-US" dirty="0"/>
-              <a:t>8/30/2018</a:t>
+              <a:t>9/17/2018</a:t>
             </a:fld>
             <a:endParaRPr lang="en-US" dirty="0"/>
           </a:p>
@@ -16731,6 +16731,7 @@
                     </a:srgbClr>
                   </a:outerShdw>
                 </a:effectLst>
+                <a:latin typeface="Franklin Gothic Medium" panose="020B0603020102020204" pitchFamily="34" charset="0"/>
               </a:rPr>
               <a:t>Define un conjunto común de “tipos” de datos orientados a objetos.</a:t>
             </a:r>
@@ -16751,6 +16752,7 @@
                     </a:srgbClr>
                   </a:outerShdw>
                 </a:effectLst>
+                <a:latin typeface="Franklin Gothic Medium" panose="020B0603020102020204" pitchFamily="34" charset="0"/>
               </a:rPr>
               <a:t>Todo lenguaje de programación .NET debe implementar los tipos definidos por el CTS.</a:t>
             </a:r>
@@ -16777,6 +16779,7 @@
                     </a:srgbClr>
                   </a:outerShdw>
                 </a:effectLst>
+                <a:latin typeface="Franklin Gothic Medium" panose="020B0603020102020204" pitchFamily="34" charset="0"/>
               </a:rPr>
               <a:t>Todo tipo hereda directa o indirectamente del tipo </a:t>
             </a:r>
@@ -16789,6 +16792,7 @@
                     </a:srgbClr>
                   </a:outerShdw>
                 </a:effectLst>
+                <a:latin typeface="Franklin Gothic Medium" panose="020B0603020102020204" pitchFamily="34" charset="0"/>
               </a:rPr>
               <a:t>System.Object</a:t>
             </a:r>
@@ -16801,6 +16805,7 @@
                     </a:srgbClr>
                   </a:outerShdw>
                 </a:effectLst>
+                <a:latin typeface="Franklin Gothic Medium" panose="020B0603020102020204" pitchFamily="34" charset="0"/>
               </a:rPr>
               <a:t>.</a:t>
             </a:r>
@@ -16827,6 +16832,7 @@
                     </a:srgbClr>
                   </a:outerShdw>
                 </a:effectLst>
+                <a:latin typeface="Franklin Gothic Medium" panose="020B0603020102020204" pitchFamily="34" charset="0"/>
               </a:rPr>
               <a:t>El CTS define tipos de VALOR y de </a:t>
             </a:r>
@@ -16839,6 +16845,7 @@
                     </a:srgbClr>
                   </a:outerShdw>
                 </a:effectLst>
+                <a:latin typeface="Franklin Gothic Medium" panose="020B0603020102020204" pitchFamily="34" charset="0"/>
               </a:rPr>
               <a:t>REFERENCIA</a:t>
             </a:r>
@@ -16850,6 +16857,7 @@
                   </a:srgbClr>
                 </a:outerShdw>
               </a:effectLst>
+              <a:latin typeface="Franklin Gothic Medium" panose="020B0603020102020204" pitchFamily="34" charset="0"/>
             </a:endParaRPr>
           </a:p>
         </p:txBody>
@@ -24809,6 +24817,7 @@
                     </a:srgbClr>
                   </a:outerShdw>
                 </a:effectLst>
+                <a:latin typeface="Franklin Gothic Medium" panose="020B0603020102020204" pitchFamily="34" charset="0"/>
               </a:rPr>
               <a:t>Las variables escalares son constantes o variable que contiene un dato atómico y unidimensional.</a:t>
             </a:r>
@@ -24825,6 +24834,7 @@
                   </a:srgbClr>
                 </a:outerShdw>
               </a:effectLst>
+              <a:latin typeface="Franklin Gothic Medium" panose="020B0603020102020204" pitchFamily="34" charset="0"/>
             </a:endParaRPr>
           </a:p>
           <a:p>
@@ -24840,6 +24850,7 @@
                     </a:srgbClr>
                   </a:outerShdw>
                 </a:effectLst>
+                <a:latin typeface="Franklin Gothic Medium" panose="020B0603020102020204" pitchFamily="34" charset="0"/>
               </a:rPr>
               <a:t>Las variables no escalares son </a:t>
             </a:r>
@@ -24852,6 +24863,7 @@
                     </a:srgbClr>
                   </a:outerShdw>
                 </a:effectLst>
+                <a:latin typeface="Franklin Gothic Medium" panose="020B0603020102020204" pitchFamily="34" charset="0"/>
               </a:rPr>
               <a:t>array</a:t>
             </a:r>
@@ -24864,6 +24876,7 @@
                     </a:srgbClr>
                   </a:outerShdw>
                 </a:effectLst>
+                <a:latin typeface="Franklin Gothic Medium" panose="020B0603020102020204" pitchFamily="34" charset="0"/>
               </a:rPr>
               <a:t> (vector), lista y objeto, que pueden tener almacenado en su estructura más de un valor.</a:t>
             </a:r>
@@ -24953,7 +24966,9 @@
               <a:defRPr/>
             </a:pPr>
             <a:r>
-              <a:rPr lang="es-ES" dirty="0"/>
+              <a:rPr lang="es-ES" dirty="0">
+                <a:latin typeface="Franklin Gothic Medium" panose="020B0603020102020204" pitchFamily="34" charset="0"/>
+              </a:rPr>
               <a:t>Enteros</a:t>
             </a:r>
           </a:p>
@@ -24962,7 +24977,9 @@
               <a:defRPr/>
             </a:pPr>
             <a:r>
-              <a:rPr lang="es-ES" dirty="0"/>
+              <a:rPr lang="es-ES" dirty="0">
+                <a:latin typeface="Franklin Gothic Medium" panose="020B0603020102020204" pitchFamily="34" charset="0"/>
+              </a:rPr>
               <a:t>0 (cero)</a:t>
             </a:r>
           </a:p>
@@ -24971,7 +24988,9 @@
               <a:defRPr/>
             </a:pPr>
             <a:r>
-              <a:rPr lang="es-ES" dirty="0"/>
+              <a:rPr lang="es-ES" dirty="0">
+                <a:latin typeface="Franklin Gothic Medium" panose="020B0603020102020204" pitchFamily="34" charset="0"/>
+              </a:rPr>
               <a:t>Punto flotante</a:t>
             </a:r>
           </a:p>
@@ -24980,7 +24999,9 @@
               <a:defRPr/>
             </a:pPr>
             <a:r>
-              <a:rPr lang="es-ES" dirty="0"/>
+              <a:rPr lang="es-ES" dirty="0">
+                <a:latin typeface="Franklin Gothic Medium" panose="020B0603020102020204" pitchFamily="34" charset="0"/>
+              </a:rPr>
               <a:t>0 (cero)</a:t>
             </a:r>
           </a:p>
@@ -24989,7 +25010,9 @@
               <a:defRPr/>
             </a:pPr>
             <a:r>
-              <a:rPr lang="es-ES" dirty="0"/>
+              <a:rPr lang="es-ES" dirty="0">
+                <a:latin typeface="Franklin Gothic Medium" panose="020B0603020102020204" pitchFamily="34" charset="0"/>
+              </a:rPr>
               <a:t>Lógicos</a:t>
             </a:r>
           </a:p>
@@ -24998,7 +25021,9 @@
               <a:defRPr/>
             </a:pPr>
             <a:r>
-              <a:rPr lang="es-ES" dirty="0"/>
+              <a:rPr lang="es-ES" dirty="0">
+                <a:latin typeface="Franklin Gothic Medium" panose="020B0603020102020204" pitchFamily="34" charset="0"/>
+              </a:rPr>
               <a:t>False</a:t>
             </a:r>
           </a:p>
@@ -25007,7 +25032,9 @@
               <a:defRPr/>
             </a:pPr>
             <a:r>
-              <a:rPr lang="es-ES" dirty="0"/>
+              <a:rPr lang="es-ES" dirty="0">
+                <a:latin typeface="Franklin Gothic Medium" panose="020B0603020102020204" pitchFamily="34" charset="0"/>
+              </a:rPr>
               <a:t>Referencias</a:t>
             </a:r>
           </a:p>
@@ -25016,10 +25043,14 @@
               <a:defRPr/>
             </a:pPr>
             <a:r>
-              <a:rPr lang="es-ES" dirty="0" err="1" smtClean="0"/>
+              <a:rPr lang="es-ES" dirty="0" err="1" smtClean="0">
+                <a:latin typeface="Franklin Gothic Medium" panose="020B0603020102020204" pitchFamily="34" charset="0"/>
+              </a:rPr>
               <a:t>Null</a:t>
             </a:r>
-            <a:endParaRPr lang="es-ES" dirty="0"/>
+            <a:endParaRPr lang="es-ES" dirty="0">
+              <a:latin typeface="Franklin Gothic Medium" panose="020B0603020102020204" pitchFamily="34" charset="0"/>
+            </a:endParaRPr>
           </a:p>
         </p:txBody>
       </p:sp>
@@ -25099,25 +25130,37 @@
           <a:lstStyle/>
           <a:p>
             <a:r>
-              <a:rPr lang="es-AR" dirty="0" smtClean="0"/>
+              <a:rPr lang="es-AR" dirty="0" smtClean="0">
+                <a:latin typeface="Franklin Gothic Medium" panose="020B0603020102020204" pitchFamily="34" charset="0"/>
+              </a:rPr>
               <a:t>Implícitas: no interviene el programador</a:t>
             </a:r>
           </a:p>
           <a:p>
-            <a:endParaRPr lang="es-AR" dirty="0"/>
-          </a:p>
-          <a:p>
-            <a:endParaRPr lang="es-AR" dirty="0" smtClean="0"/>
-          </a:p>
-          <a:p>
-            <a:endParaRPr lang="es-AR" dirty="0" smtClean="0"/>
-          </a:p>
-          <a:p>
-            <a:r>
-              <a:rPr lang="es-AR" dirty="0" smtClean="0"/>
+            <a:endParaRPr lang="es-AR" dirty="0">
+              <a:latin typeface="Franklin Gothic Medium" panose="020B0603020102020204" pitchFamily="34" charset="0"/>
+            </a:endParaRPr>
+          </a:p>
+          <a:p>
+            <a:endParaRPr lang="es-AR" dirty="0" smtClean="0">
+              <a:latin typeface="Franklin Gothic Medium" panose="020B0603020102020204" pitchFamily="34" charset="0"/>
+            </a:endParaRPr>
+          </a:p>
+          <a:p>
+            <a:endParaRPr lang="es-AR" dirty="0" smtClean="0">
+              <a:latin typeface="Franklin Gothic Medium" panose="020B0603020102020204" pitchFamily="34" charset="0"/>
+            </a:endParaRPr>
+          </a:p>
+          <a:p>
+            <a:r>
+              <a:rPr lang="es-AR" dirty="0" smtClean="0">
+                <a:latin typeface="Franklin Gothic Medium" panose="020B0603020102020204" pitchFamily="34" charset="0"/>
+              </a:rPr>
               <a:t>Explícitas: interviene el programador, ya que puede haber perdida de datos.</a:t>
             </a:r>
-            <a:endParaRPr lang="es-AR" dirty="0"/>
+            <a:endParaRPr lang="es-AR" dirty="0">
+              <a:latin typeface="Franklin Gothic Medium" panose="020B0603020102020204" pitchFamily="34" charset="0"/>
+            </a:endParaRPr>
           </a:p>
         </p:txBody>
       </p:sp>

--- a/PPTs/ProgramacionII_Clase_01-2018.pptx
+++ b/PPTs/ProgramacionII_Clase_01-2018.pptx
@@ -408,7 +408,7 @@
           <a:p>
             <a:fld id="{78ABE3C1-DBE1-495D-B57B-2849774B866A}" type="datetimeFigureOut">
               <a:rPr lang="en-US" dirty="0"/>
-              <a:t>9/17/2018</a:t>
+              <a:t>10/3/2018</a:t>
             </a:fld>
             <a:endParaRPr lang="en-US" dirty="0"/>
           </a:p>
@@ -817,7 +817,7 @@
           <a:p>
             <a:fld id="{446C117F-5CCF-4837-BE5F-2B92066CAFAF}" type="datetimeFigureOut">
               <a:rPr lang="en-US" dirty="0"/>
-              <a:t>9/17/2018</a:t>
+              <a:t>10/3/2018</a:t>
             </a:fld>
             <a:endParaRPr lang="en-US" dirty="0"/>
           </a:p>
@@ -1148,7 +1148,7 @@
           <a:p>
             <a:fld id="{84EB90BD-B6CE-46B7-997F-7313B992CCDC}" type="datetimeFigureOut">
               <a:rPr lang="en-US" dirty="0"/>
-              <a:t>9/17/2018</a:t>
+              <a:t>10/3/2018</a:t>
             </a:fld>
             <a:endParaRPr lang="en-US" dirty="0"/>
           </a:p>
@@ -1548,7 +1548,7 @@
           <a:p>
             <a:fld id="{CDB9D11F-B188-461D-B23F-39381795C052}" type="datetimeFigureOut">
               <a:rPr lang="en-US" dirty="0"/>
-              <a:t>9/17/2018</a:t>
+              <a:t>10/3/2018</a:t>
             </a:fld>
             <a:endParaRPr lang="en-US" dirty="0"/>
           </a:p>
@@ -2111,7 +2111,7 @@
           <a:p>
             <a:fld id="{52E6D8D9-55A2-4063-B0F3-121F44549695}" type="datetimeFigureOut">
               <a:rPr lang="en-US" dirty="0"/>
-              <a:t>9/17/2018</a:t>
+              <a:t>10/3/2018</a:t>
             </a:fld>
             <a:endParaRPr lang="en-US" dirty="0"/>
           </a:p>
@@ -2787,7 +2787,7 @@
           <a:p>
             <a:fld id="{D4B24536-994D-4021-A283-9F449C0DB509}" type="datetimeFigureOut">
               <a:rPr lang="en-US" dirty="0"/>
-              <a:t>9/17/2018</a:t>
+              <a:t>10/3/2018</a:t>
             </a:fld>
             <a:endParaRPr lang="en-US" dirty="0"/>
           </a:p>
@@ -3695,7 +3695,7 @@
           <a:p>
             <a:fld id="{3CBBBB78-C96F-47B7-AB17-D852CA960AC9}" type="datetimeFigureOut">
               <a:rPr lang="en-US" dirty="0"/>
-              <a:t>9/17/2018</a:t>
+              <a:t>10/3/2018</a:t>
             </a:fld>
             <a:endParaRPr lang="en-US" dirty="0"/>
           </a:p>
@@ -4003,7 +4003,7 @@
           <a:p>
             <a:fld id="{1FA3F48C-C7C6-4055-9F49-3777875E72AE}" type="datetimeFigureOut">
               <a:rPr lang="en-US" dirty="0"/>
-              <a:t>9/17/2018</a:t>
+              <a:t>10/3/2018</a:t>
             </a:fld>
             <a:endParaRPr lang="en-US" dirty="0"/>
           </a:p>
@@ -4262,7 +4262,7 @@
           <a:p>
             <a:fld id="{6178E61D-D431-422C-9764-11DAFE33AB63}" type="datetimeFigureOut">
               <a:rPr lang="en-US" dirty="0"/>
-              <a:t>9/17/2018</a:t>
+              <a:t>10/3/2018</a:t>
             </a:fld>
             <a:endParaRPr lang="en-US" dirty="0"/>
           </a:p>
@@ -4581,7 +4581,7 @@
           <a:p>
             <a:fld id="{12DE42F4-6EEF-4EF7-8ED4-2208F0F89A08}" type="datetimeFigureOut">
               <a:rPr lang="en-US" dirty="0"/>
-              <a:t>9/17/2018</a:t>
+              <a:t>10/3/2018</a:t>
             </a:fld>
             <a:endParaRPr lang="en-US" dirty="0"/>
           </a:p>
@@ -4965,7 +4965,7 @@
           <a:p>
             <a:fld id="{30578ACC-22D6-47C1-A373-4FD133E34F3C}" type="datetimeFigureOut">
               <a:rPr lang="en-US" dirty="0"/>
-              <a:t>9/17/2018</a:t>
+              <a:t>10/3/2018</a:t>
             </a:fld>
             <a:endParaRPr lang="en-US" dirty="0"/>
           </a:p>
@@ -5336,7 +5336,7 @@
           <a:p>
             <a:fld id="{4E5A6C69-6797-4E8A-BF37-F2C3751466E9}" type="datetimeFigureOut">
               <a:rPr lang="en-US" dirty="0"/>
-              <a:t>9/17/2018</a:t>
+              <a:t>10/3/2018</a:t>
             </a:fld>
             <a:endParaRPr lang="en-US" dirty="0"/>
           </a:p>
@@ -5837,7 +5837,7 @@
           <a:p>
             <a:fld id="{D82014A1-A632-4878-A0D3-F52BA7563730}" type="datetimeFigureOut">
               <a:rPr lang="en-US" dirty="0"/>
-              <a:t>9/17/2018</a:t>
+              <a:t>10/3/2018</a:t>
             </a:fld>
             <a:endParaRPr lang="en-US" dirty="0"/>
           </a:p>
@@ -6089,7 +6089,7 @@
           <a:p>
             <a:fld id="{CE99F462-093F-4566-844B-4C71F2739DA5}" type="datetimeFigureOut">
               <a:rPr lang="en-US" dirty="0"/>
-              <a:t>9/17/2018</a:t>
+              <a:t>10/3/2018</a:t>
             </a:fld>
             <a:endParaRPr lang="en-US" dirty="0"/>
           </a:p>
@@ -6247,7 +6247,7 @@
           <a:p>
             <a:fld id="{3D24A7AC-904D-4781-85BA-7D10C17ED021}" type="datetimeFigureOut">
               <a:rPr lang="en-US" dirty="0"/>
-              <a:t>9/17/2018</a:t>
+              <a:t>10/3/2018</a:t>
             </a:fld>
             <a:endParaRPr lang="en-US" dirty="0"/>
           </a:p>
@@ -6632,7 +6632,7 @@
           <a:p>
             <a:fld id="{E331444B-B92B-4E27-8C94-BB93EAF5CB18}" type="datetimeFigureOut">
               <a:rPr lang="en-US" dirty="0"/>
-              <a:t>9/17/2018</a:t>
+              <a:t>10/3/2018</a:t>
             </a:fld>
             <a:endParaRPr lang="en-US" dirty="0"/>
           </a:p>
@@ -7036,7 +7036,7 @@
           <a:p>
             <a:fld id="{363EFA5E-FA76-400D-B3DC-F0BA90E6D107}" type="datetimeFigureOut">
               <a:rPr lang="en-US" dirty="0"/>
-              <a:t>9/17/2018</a:t>
+              <a:t>10/3/2018</a:t>
             </a:fld>
             <a:endParaRPr lang="en-US" dirty="0"/>
           </a:p>
@@ -7275,7 +7275,7 @@
           <a:p>
             <a:fld id="{9D6E9DEC-419B-4CC5-A080-3B06BD5A8291}" type="datetimeFigureOut">
               <a:rPr lang="en-US" dirty="0"/>
-              <a:t>9/17/2018</a:t>
+              <a:t>10/3/2018</a:t>
             </a:fld>
             <a:endParaRPr lang="en-US" dirty="0"/>
           </a:p>
@@ -16147,6 +16147,13 @@
             </a:pPr>
             <a:r>
               <a:rPr lang="es-ES" dirty="0">
+                <a:effectLst>
+                  <a:outerShdw blurRad="38100" dist="38100" dir="2700000" algn="tl">
+                    <a:srgbClr val="000000">
+                      <a:alpha val="43137"/>
+                    </a:srgbClr>
+                  </a:outerShdw>
+                </a:effectLst>
                 <a:latin typeface="Franklin Gothic Medium" panose="020B0603020102020204" pitchFamily="34" charset="0"/>
               </a:rPr>
               <a:t>Clear()</a:t>
@@ -16158,30 +16165,65 @@
             </a:pPr>
             <a:r>
               <a:rPr lang="es-ES" dirty="0">
+                <a:effectLst>
+                  <a:outerShdw blurRad="38100" dist="38100" dir="2700000" algn="tl">
+                    <a:srgbClr val="000000">
+                      <a:alpha val="43137"/>
+                    </a:srgbClr>
+                  </a:outerShdw>
+                </a:effectLst>
                 <a:latin typeface="Franklin Gothic Medium" panose="020B0603020102020204" pitchFamily="34" charset="0"/>
               </a:rPr>
               <a:t>Limpia el buffer de la consola. Equivalente a </a:t>
             </a:r>
             <a:r>
               <a:rPr lang="es-ES" b="1" dirty="0" err="1">
+                <a:effectLst>
+                  <a:outerShdw blurRad="38100" dist="38100" dir="2700000" algn="tl">
+                    <a:srgbClr val="000000">
+                      <a:alpha val="43137"/>
+                    </a:srgbClr>
+                  </a:outerShdw>
+                </a:effectLst>
                 <a:latin typeface="Franklin Gothic Medium" panose="020B0603020102020204" pitchFamily="34" charset="0"/>
               </a:rPr>
               <a:t>clrscr</a:t>
             </a:r>
             <a:r>
               <a:rPr lang="es-ES" b="1" dirty="0">
+                <a:effectLst>
+                  <a:outerShdw blurRad="38100" dist="38100" dir="2700000" algn="tl">
+                    <a:srgbClr val="000000">
+                      <a:alpha val="43137"/>
+                    </a:srgbClr>
+                  </a:outerShdw>
+                </a:effectLst>
                 <a:latin typeface="Franklin Gothic Medium" panose="020B0603020102020204" pitchFamily="34" charset="0"/>
               </a:rPr>
               <a:t>()</a:t>
             </a:r>
             <a:r>
               <a:rPr lang="es-ES" dirty="0">
+                <a:effectLst>
+                  <a:outerShdw blurRad="38100" dist="38100" dir="2700000" algn="tl">
+                    <a:srgbClr val="000000">
+                      <a:alpha val="43137"/>
+                    </a:srgbClr>
+                  </a:outerShdw>
+                </a:effectLst>
                 <a:latin typeface="Franklin Gothic Medium" panose="020B0603020102020204" pitchFamily="34" charset="0"/>
               </a:rPr>
               <a:t> de C</a:t>
             </a:r>
             <a:r>
               <a:rPr lang="es-ES" dirty="0" smtClean="0">
+                <a:effectLst>
+                  <a:outerShdw blurRad="38100" dist="38100" dir="2700000" algn="tl">
+                    <a:srgbClr val="000000">
+                      <a:alpha val="43137"/>
+                    </a:srgbClr>
+                  </a:outerShdw>
+                </a:effectLst>
                 <a:latin typeface="Franklin Gothic Medium" panose="020B0603020102020204" pitchFamily="34" charset="0"/>
               </a:rPr>
               <a:t>.</a:t>
@@ -16192,6 +16234,13 @@
               <a:defRPr/>
             </a:pPr>
             <a:endParaRPr lang="es-ES" dirty="0">
+              <a:effectLst>
+                <a:outerShdw blurRad="38100" dist="38100" dir="2700000" algn="tl">
+                  <a:srgbClr val="000000">
+                    <a:alpha val="43137"/>
+                  </a:srgbClr>
+                </a:outerShdw>
+              </a:effectLst>
               <a:latin typeface="Franklin Gothic Medium" panose="020B0603020102020204" pitchFamily="34" charset="0"/>
             </a:endParaRPr>
           </a:p>
@@ -16201,12 +16250,26 @@
             </a:pPr>
             <a:r>
               <a:rPr lang="es-ES" dirty="0" err="1">
+                <a:effectLst>
+                  <a:outerShdw blurRad="38100" dist="38100" dir="2700000" algn="tl">
+                    <a:srgbClr val="000000">
+                      <a:alpha val="43137"/>
+                    </a:srgbClr>
+                  </a:outerShdw>
+                </a:effectLst>
                 <a:latin typeface="Franklin Gothic Medium" panose="020B0603020102020204" pitchFamily="34" charset="0"/>
               </a:rPr>
               <a:t>Read</a:t>
             </a:r>
             <a:r>
               <a:rPr lang="es-ES" dirty="0">
+                <a:effectLst>
+                  <a:outerShdw blurRad="38100" dist="38100" dir="2700000" algn="tl">
+                    <a:srgbClr val="000000">
+                      <a:alpha val="43137"/>
+                    </a:srgbClr>
+                  </a:outerShdw>
+                </a:effectLst>
                 <a:latin typeface="Franklin Gothic Medium" panose="020B0603020102020204" pitchFamily="34" charset="0"/>
               </a:rPr>
               <a:t>()</a:t>
@@ -16218,24 +16281,52 @@
             </a:pPr>
             <a:r>
               <a:rPr lang="es-ES" dirty="0">
+                <a:effectLst>
+                  <a:outerShdw blurRad="38100" dist="38100" dir="2700000" algn="tl">
+                    <a:srgbClr val="000000">
+                      <a:alpha val="43137"/>
+                    </a:srgbClr>
+                  </a:outerShdw>
+                </a:effectLst>
                 <a:latin typeface="Franklin Gothic Medium" panose="020B0603020102020204" pitchFamily="34" charset="0"/>
               </a:rPr>
               <a:t>Lee el próximo carácter del </a:t>
             </a:r>
             <a:r>
               <a:rPr lang="es-ES" dirty="0" err="1">
+                <a:effectLst>
+                  <a:outerShdw blurRad="38100" dist="38100" dir="2700000" algn="tl">
+                    <a:srgbClr val="000000">
+                      <a:alpha val="43137"/>
+                    </a:srgbClr>
+                  </a:outerShdw>
+                </a:effectLst>
                 <a:latin typeface="Franklin Gothic Medium" panose="020B0603020102020204" pitchFamily="34" charset="0"/>
               </a:rPr>
               <a:t>stream</a:t>
             </a:r>
             <a:r>
               <a:rPr lang="es-ES" dirty="0">
+                <a:effectLst>
+                  <a:outerShdw blurRad="38100" dist="38100" dir="2700000" algn="tl">
+                    <a:srgbClr val="000000">
+                      <a:alpha val="43137"/>
+                    </a:srgbClr>
+                  </a:outerShdw>
+                </a:effectLst>
                 <a:latin typeface="Franklin Gothic Medium" panose="020B0603020102020204" pitchFamily="34" charset="0"/>
               </a:rPr>
               <a:t> de entrada. Devuelve un entero</a:t>
             </a:r>
             <a:r>
               <a:rPr lang="es-ES" dirty="0" smtClean="0">
+                <a:effectLst>
+                  <a:outerShdw blurRad="38100" dist="38100" dir="2700000" algn="tl">
+                    <a:srgbClr val="000000">
+                      <a:alpha val="43137"/>
+                    </a:srgbClr>
+                  </a:outerShdw>
+                </a:effectLst>
                 <a:latin typeface="Franklin Gothic Medium" panose="020B0603020102020204" pitchFamily="34" charset="0"/>
               </a:rPr>
               <a:t>.</a:t>
@@ -16246,6 +16337,13 @@
               <a:defRPr/>
             </a:pPr>
             <a:endParaRPr lang="es-ES" dirty="0">
+              <a:effectLst>
+                <a:outerShdw blurRad="38100" dist="38100" dir="2700000" algn="tl">
+                  <a:srgbClr val="000000">
+                    <a:alpha val="43137"/>
+                  </a:srgbClr>
+                </a:outerShdw>
+              </a:effectLst>
               <a:latin typeface="Franklin Gothic Medium" panose="020B0603020102020204" pitchFamily="34" charset="0"/>
             </a:endParaRPr>
           </a:p>
@@ -16255,24 +16353,52 @@
             </a:pPr>
             <a:r>
               <a:rPr lang="es-ES" dirty="0" err="1">
+                <a:effectLst>
+                  <a:outerShdw blurRad="38100" dist="38100" dir="2700000" algn="tl">
+                    <a:srgbClr val="000000">
+                      <a:alpha val="43137"/>
+                    </a:srgbClr>
+                  </a:outerShdw>
+                </a:effectLst>
                 <a:latin typeface="Franklin Gothic Medium" panose="020B0603020102020204" pitchFamily="34" charset="0"/>
               </a:rPr>
               <a:t>ReadKey</a:t>
             </a:r>
             <a:r>
               <a:rPr lang="es-ES" dirty="0">
+                <a:effectLst>
+                  <a:outerShdw blurRad="38100" dist="38100" dir="2700000" algn="tl">
+                    <a:srgbClr val="000000">
+                      <a:alpha val="43137"/>
+                    </a:srgbClr>
+                  </a:outerShdw>
+                </a:effectLst>
                 <a:latin typeface="Franklin Gothic Medium" panose="020B0603020102020204" pitchFamily="34" charset="0"/>
               </a:rPr>
               <a:t>(</a:t>
             </a:r>
             <a:r>
               <a:rPr lang="es-ES" dirty="0" err="1">
+                <a:effectLst>
+                  <a:outerShdw blurRad="38100" dist="38100" dir="2700000" algn="tl">
+                    <a:srgbClr val="000000">
+                      <a:alpha val="43137"/>
+                    </a:srgbClr>
+                  </a:outerShdw>
+                </a:effectLst>
                 <a:latin typeface="Franklin Gothic Medium" panose="020B0603020102020204" pitchFamily="34" charset="0"/>
               </a:rPr>
               <a:t>bool</a:t>
             </a:r>
             <a:r>
               <a:rPr lang="es-ES" dirty="0">
+                <a:effectLst>
+                  <a:outerShdw blurRad="38100" dist="38100" dir="2700000" algn="tl">
+                    <a:srgbClr val="000000">
+                      <a:alpha val="43137"/>
+                    </a:srgbClr>
+                  </a:outerShdw>
+                </a:effectLst>
                 <a:latin typeface="Franklin Gothic Medium" panose="020B0603020102020204" pitchFamily="34" charset="0"/>
               </a:rPr>
               <a:t>)</a:t>
@@ -16284,36 +16410,78 @@
             </a:pPr>
             <a:r>
               <a:rPr lang="es-ES" dirty="0">
+                <a:effectLst>
+                  <a:outerShdw blurRad="38100" dist="38100" dir="2700000" algn="tl">
+                    <a:srgbClr val="000000">
+                      <a:alpha val="43137"/>
+                    </a:srgbClr>
+                  </a:outerShdw>
+                </a:effectLst>
                 <a:latin typeface="Franklin Gothic Medium" panose="020B0603020102020204" pitchFamily="34" charset="0"/>
               </a:rPr>
               <a:t>Obtiene el carácter presionado por el usuario. La tecla presionada puede mostrarse en la consola. Equivalente a </a:t>
             </a:r>
             <a:r>
               <a:rPr lang="es-ES" b="1" dirty="0" err="1">
+                <a:effectLst>
+                  <a:outerShdw blurRad="38100" dist="38100" dir="2700000" algn="tl">
+                    <a:srgbClr val="000000">
+                      <a:alpha val="43137"/>
+                    </a:srgbClr>
+                  </a:outerShdw>
+                </a:effectLst>
                 <a:latin typeface="Franklin Gothic Medium" panose="020B0603020102020204" pitchFamily="34" charset="0"/>
               </a:rPr>
               <a:t>getch</a:t>
             </a:r>
             <a:r>
               <a:rPr lang="es-ES" b="1" dirty="0">
+                <a:effectLst>
+                  <a:outerShdw blurRad="38100" dist="38100" dir="2700000" algn="tl">
+                    <a:srgbClr val="000000">
+                      <a:alpha val="43137"/>
+                    </a:srgbClr>
+                  </a:outerShdw>
+                </a:effectLst>
                 <a:latin typeface="Franklin Gothic Medium" panose="020B0603020102020204" pitchFamily="34" charset="0"/>
               </a:rPr>
               <a:t>() / </a:t>
             </a:r>
             <a:r>
               <a:rPr lang="es-ES" b="1" dirty="0" err="1">
+                <a:effectLst>
+                  <a:outerShdw blurRad="38100" dist="38100" dir="2700000" algn="tl">
+                    <a:srgbClr val="000000">
+                      <a:alpha val="43137"/>
+                    </a:srgbClr>
+                  </a:outerShdw>
+                </a:effectLst>
                 <a:latin typeface="Franklin Gothic Medium" panose="020B0603020102020204" pitchFamily="34" charset="0"/>
               </a:rPr>
               <a:t>getche</a:t>
             </a:r>
             <a:r>
               <a:rPr lang="es-ES" b="1" dirty="0">
+                <a:effectLst>
+                  <a:outerShdw blurRad="38100" dist="38100" dir="2700000" algn="tl">
+                    <a:srgbClr val="000000">
+                      <a:alpha val="43137"/>
+                    </a:srgbClr>
+                  </a:outerShdw>
+                </a:effectLst>
                 <a:latin typeface="Franklin Gothic Medium" panose="020B0603020102020204" pitchFamily="34" charset="0"/>
               </a:rPr>
               <a:t>()</a:t>
             </a:r>
             <a:r>
               <a:rPr lang="es-ES" dirty="0">
+                <a:effectLst>
+                  <a:outerShdw blurRad="38100" dist="38100" dir="2700000" algn="tl">
+                    <a:srgbClr val="000000">
+                      <a:alpha val="43137"/>
+                    </a:srgbClr>
+                  </a:outerShdw>
+                </a:effectLst>
                 <a:latin typeface="Franklin Gothic Medium" panose="020B0603020102020204" pitchFamily="34" charset="0"/>
               </a:rPr>
               <a:t> de C.</a:t>
@@ -16398,7 +16566,7 @@
         <p:spPr>
           <a:xfrm>
             <a:off x="680321" y="2336872"/>
-            <a:ext cx="9613861" cy="3860727"/>
+            <a:ext cx="9613861" cy="4089686"/>
           </a:xfrm>
         </p:spPr>
         <p:txBody>
@@ -16412,12 +16580,26 @@
             </a:pPr>
             <a:r>
               <a:rPr lang="es-ES" dirty="0" err="1">
+                <a:effectLst>
+                  <a:outerShdw blurRad="38100" dist="38100" dir="2700000" algn="tl">
+                    <a:srgbClr val="000000">
+                      <a:alpha val="43137"/>
+                    </a:srgbClr>
+                  </a:outerShdw>
+                </a:effectLst>
                 <a:latin typeface="Franklin Gothic Medium" panose="020B0603020102020204" pitchFamily="34" charset="0"/>
               </a:rPr>
               <a:t>ReadLine</a:t>
             </a:r>
             <a:r>
               <a:rPr lang="es-ES" dirty="0">
+                <a:effectLst>
+                  <a:outerShdw blurRad="38100" dist="38100" dir="2700000" algn="tl">
+                    <a:srgbClr val="000000">
+                      <a:alpha val="43137"/>
+                    </a:srgbClr>
+                  </a:outerShdw>
+                </a:effectLst>
                 <a:latin typeface="Franklin Gothic Medium" panose="020B0603020102020204" pitchFamily="34" charset="0"/>
               </a:rPr>
               <a:t>()</a:t>
@@ -16429,6 +16611,13 @@
             </a:pPr>
             <a:r>
               <a:rPr lang="es-ES" dirty="0">
+                <a:effectLst>
+                  <a:outerShdw blurRad="38100" dist="38100" dir="2700000" algn="tl">
+                    <a:srgbClr val="000000">
+                      <a:alpha val="43137"/>
+                    </a:srgbClr>
+                  </a:outerShdw>
+                </a:effectLst>
                 <a:latin typeface="Franklin Gothic Medium" panose="020B0603020102020204" pitchFamily="34" charset="0"/>
               </a:rPr>
               <a:t>Lee la siguiente línea de caracteres de la consola. Devuelve un </a:t>
@@ -16438,12 +16627,26 @@
                 <a:solidFill>
                   <a:schemeClr val="accent1"/>
                 </a:solidFill>
+                <a:effectLst>
+                  <a:outerShdw blurRad="38100" dist="38100" dir="2700000" algn="tl">
+                    <a:srgbClr val="000000">
+                      <a:alpha val="43137"/>
+                    </a:srgbClr>
+                  </a:outerShdw>
+                </a:effectLst>
                 <a:latin typeface="Franklin Gothic Medium" panose="020B0603020102020204" pitchFamily="34" charset="0"/>
               </a:rPr>
               <a:t>string</a:t>
             </a:r>
             <a:r>
               <a:rPr lang="es-ES" dirty="0">
+                <a:effectLst>
+                  <a:outerShdw blurRad="38100" dist="38100" dir="2700000" algn="tl">
+                    <a:srgbClr val="000000">
+                      <a:alpha val="43137"/>
+                    </a:srgbClr>
+                  </a:outerShdw>
+                </a:effectLst>
                 <a:latin typeface="Franklin Gothic Medium" panose="020B0603020102020204" pitchFamily="34" charset="0"/>
               </a:rPr>
               <a:t>. </a:t>
@@ -16456,30 +16659,65 @@
             </a:pPr>
             <a:r>
               <a:rPr lang="es-ES" dirty="0">
+                <a:effectLst>
+                  <a:outerShdw blurRad="38100" dist="38100" dir="2700000" algn="tl">
+                    <a:srgbClr val="000000">
+                      <a:alpha val="43137"/>
+                    </a:srgbClr>
+                  </a:outerShdw>
+                </a:effectLst>
                 <a:latin typeface="Franklin Gothic Medium" panose="020B0603020102020204" pitchFamily="34" charset="0"/>
               </a:rPr>
               <a:t>	Equivalente a </a:t>
             </a:r>
             <a:r>
               <a:rPr lang="es-ES" b="1" dirty="0" err="1">
+                <a:effectLst>
+                  <a:outerShdw blurRad="38100" dist="38100" dir="2700000" algn="tl">
+                    <a:srgbClr val="000000">
+                      <a:alpha val="43137"/>
+                    </a:srgbClr>
+                  </a:outerShdw>
+                </a:effectLst>
                 <a:latin typeface="Franklin Gothic Medium" panose="020B0603020102020204" pitchFamily="34" charset="0"/>
               </a:rPr>
               <a:t>gets</a:t>
             </a:r>
             <a:r>
               <a:rPr lang="es-ES" b="1" dirty="0">
+                <a:effectLst>
+                  <a:outerShdw blurRad="38100" dist="38100" dir="2700000" algn="tl">
+                    <a:srgbClr val="000000">
+                      <a:alpha val="43137"/>
+                    </a:srgbClr>
+                  </a:outerShdw>
+                </a:effectLst>
                 <a:latin typeface="Franklin Gothic Medium" panose="020B0603020102020204" pitchFamily="34" charset="0"/>
               </a:rPr>
               <a:t>()</a:t>
             </a:r>
             <a:r>
               <a:rPr lang="es-ES" dirty="0">
+                <a:effectLst>
+                  <a:outerShdw blurRad="38100" dist="38100" dir="2700000" algn="tl">
+                    <a:srgbClr val="000000">
+                      <a:alpha val="43137"/>
+                    </a:srgbClr>
+                  </a:outerShdw>
+                </a:effectLst>
                 <a:latin typeface="Franklin Gothic Medium" panose="020B0603020102020204" pitchFamily="34" charset="0"/>
               </a:rPr>
               <a:t> de C</a:t>
             </a:r>
             <a:r>
               <a:rPr lang="es-ES" dirty="0" smtClean="0">
+                <a:effectLst>
+                  <a:outerShdw blurRad="38100" dist="38100" dir="2700000" algn="tl">
+                    <a:srgbClr val="000000">
+                      <a:alpha val="43137"/>
+                    </a:srgbClr>
+                  </a:outerShdw>
+                </a:effectLst>
                 <a:latin typeface="Franklin Gothic Medium" panose="020B0603020102020204" pitchFamily="34" charset="0"/>
               </a:rPr>
               <a:t>.</a:t>
@@ -16491,6 +16729,13 @@
               <a:defRPr/>
             </a:pPr>
             <a:endParaRPr lang="es-ES" dirty="0">
+              <a:effectLst>
+                <a:outerShdw blurRad="38100" dist="38100" dir="2700000" algn="tl">
+                  <a:srgbClr val="000000">
+                    <a:alpha val="43137"/>
+                  </a:srgbClr>
+                </a:outerShdw>
+              </a:effectLst>
               <a:latin typeface="Franklin Gothic Medium" panose="020B0603020102020204" pitchFamily="34" charset="0"/>
             </a:endParaRPr>
           </a:p>
@@ -16500,12 +16745,26 @@
             </a:pPr>
             <a:r>
               <a:rPr lang="es-ES" dirty="0" err="1">
+                <a:effectLst>
+                  <a:outerShdw blurRad="38100" dist="38100" dir="2700000" algn="tl">
+                    <a:srgbClr val="000000">
+                      <a:alpha val="43137"/>
+                    </a:srgbClr>
+                  </a:outerShdw>
+                </a:effectLst>
                 <a:latin typeface="Franklin Gothic Medium" panose="020B0603020102020204" pitchFamily="34" charset="0"/>
               </a:rPr>
               <a:t>Write</a:t>
             </a:r>
             <a:r>
               <a:rPr lang="es-ES" dirty="0">
+                <a:effectLst>
+                  <a:outerShdw blurRad="38100" dist="38100" dir="2700000" algn="tl">
+                    <a:srgbClr val="000000">
+                      <a:alpha val="43137"/>
+                    </a:srgbClr>
+                  </a:outerShdw>
+                </a:effectLst>
                 <a:latin typeface="Franklin Gothic Medium" panose="020B0603020102020204" pitchFamily="34" charset="0"/>
               </a:rPr>
               <a:t>()</a:t>
@@ -16517,18 +16776,39 @@
             </a:pPr>
             <a:r>
               <a:rPr lang="es-ES" dirty="0">
+                <a:effectLst>
+                  <a:outerShdw blurRad="38100" dist="38100" dir="2700000" algn="tl">
+                    <a:srgbClr val="000000">
+                      <a:alpha val="43137"/>
+                    </a:srgbClr>
+                  </a:outerShdw>
+                </a:effectLst>
                 <a:latin typeface="Franklin Gothic Medium" panose="020B0603020102020204" pitchFamily="34" charset="0"/>
               </a:rPr>
               <a:t>Escribe el </a:t>
             </a:r>
             <a:r>
               <a:rPr lang="es-ES" dirty="0" err="1">
+                <a:effectLst>
+                  <a:outerShdw blurRad="38100" dist="38100" dir="2700000" algn="tl">
+                    <a:srgbClr val="000000">
+                      <a:alpha val="43137"/>
+                    </a:srgbClr>
+                  </a:outerShdw>
+                </a:effectLst>
                 <a:latin typeface="Franklin Gothic Medium" panose="020B0603020102020204" pitchFamily="34" charset="0"/>
               </a:rPr>
               <a:t>string</a:t>
             </a:r>
             <a:r>
               <a:rPr lang="es-ES" dirty="0">
+                <a:effectLst>
+                  <a:outerShdw blurRad="38100" dist="38100" dir="2700000" algn="tl">
+                    <a:srgbClr val="000000">
+                      <a:alpha val="43137"/>
+                    </a:srgbClr>
+                  </a:outerShdw>
+                </a:effectLst>
                 <a:latin typeface="Franklin Gothic Medium" panose="020B0603020102020204" pitchFamily="34" charset="0"/>
               </a:rPr>
               <a:t> que se le pasa como parámetro a la salida estándar.</a:t>
@@ -16541,29 +16821,64 @@
             </a:pPr>
             <a:r>
               <a:rPr lang="es-ES" dirty="0">
+                <a:effectLst>
+                  <a:outerShdw blurRad="38100" dist="38100" dir="2700000" algn="tl">
+                    <a:srgbClr val="000000">
+                      <a:alpha val="43137"/>
+                    </a:srgbClr>
+                  </a:outerShdw>
+                </a:effectLst>
                 <a:latin typeface="Franklin Gothic Medium" panose="020B0603020102020204" pitchFamily="34" charset="0"/>
               </a:rPr>
               <a:t>	Equivalente a </a:t>
             </a:r>
             <a:r>
               <a:rPr lang="es-ES" b="1" dirty="0" err="1">
+                <a:effectLst>
+                  <a:outerShdw blurRad="38100" dist="38100" dir="2700000" algn="tl">
+                    <a:srgbClr val="000000">
+                      <a:alpha val="43137"/>
+                    </a:srgbClr>
+                  </a:outerShdw>
+                </a:effectLst>
                 <a:latin typeface="Franklin Gothic Medium" panose="020B0603020102020204" pitchFamily="34" charset="0"/>
               </a:rPr>
               <a:t>printf</a:t>
             </a:r>
             <a:r>
               <a:rPr lang="es-ES" b="1" dirty="0">
+                <a:effectLst>
+                  <a:outerShdw blurRad="38100" dist="38100" dir="2700000" algn="tl">
+                    <a:srgbClr val="000000">
+                      <a:alpha val="43137"/>
+                    </a:srgbClr>
+                  </a:outerShdw>
+                </a:effectLst>
                 <a:latin typeface="Franklin Gothic Medium" panose="020B0603020102020204" pitchFamily="34" charset="0"/>
               </a:rPr>
               <a:t>()</a:t>
             </a:r>
             <a:r>
               <a:rPr lang="es-ES" dirty="0">
+                <a:effectLst>
+                  <a:outerShdw blurRad="38100" dist="38100" dir="2700000" algn="tl">
+                    <a:srgbClr val="000000">
+                      <a:alpha val="43137"/>
+                    </a:srgbClr>
+                  </a:outerShdw>
+                </a:effectLst>
                 <a:latin typeface="Franklin Gothic Medium" panose="020B0603020102020204" pitchFamily="34" charset="0"/>
               </a:rPr>
               <a:t> de C. </a:t>
             </a:r>
             <a:endParaRPr lang="es-ES" dirty="0" smtClean="0">
+              <a:effectLst>
+                <a:outerShdw blurRad="38100" dist="38100" dir="2700000" algn="tl">
+                  <a:srgbClr val="000000">
+                    <a:alpha val="43137"/>
+                  </a:srgbClr>
+                </a:outerShdw>
+              </a:effectLst>
               <a:latin typeface="Franklin Gothic Medium" panose="020B0603020102020204" pitchFamily="34" charset="0"/>
             </a:endParaRPr>
           </a:p>
@@ -16573,6 +16888,13 @@
               <a:defRPr/>
             </a:pPr>
             <a:endParaRPr lang="es-ES" dirty="0">
+              <a:effectLst>
+                <a:outerShdw blurRad="38100" dist="38100" dir="2700000" algn="tl">
+                  <a:srgbClr val="000000">
+                    <a:alpha val="43137"/>
+                  </a:srgbClr>
+                </a:outerShdw>
+              </a:effectLst>
               <a:latin typeface="Franklin Gothic Medium" panose="020B0603020102020204" pitchFamily="34" charset="0"/>
             </a:endParaRPr>
           </a:p>
@@ -16582,12 +16904,26 @@
             </a:pPr>
             <a:r>
               <a:rPr lang="es-ES" dirty="0" err="1">
+                <a:effectLst>
+                  <a:outerShdw blurRad="38100" dist="38100" dir="2700000" algn="tl">
+                    <a:srgbClr val="000000">
+                      <a:alpha val="43137"/>
+                    </a:srgbClr>
+                  </a:outerShdw>
+                </a:effectLst>
                 <a:latin typeface="Franklin Gothic Medium" panose="020B0603020102020204" pitchFamily="34" charset="0"/>
               </a:rPr>
               <a:t>WriteLine</a:t>
             </a:r>
             <a:r>
               <a:rPr lang="es-ES" dirty="0">
+                <a:effectLst>
+                  <a:outerShdw blurRad="38100" dist="38100" dir="2700000" algn="tl">
+                    <a:srgbClr val="000000">
+                      <a:alpha val="43137"/>
+                    </a:srgbClr>
+                  </a:outerShdw>
+                </a:effectLst>
                 <a:latin typeface="Franklin Gothic Medium" panose="020B0603020102020204" pitchFamily="34" charset="0"/>
               </a:rPr>
               <a:t>()</a:t>
@@ -16599,23 +16935,51 @@
             </a:pPr>
             <a:r>
               <a:rPr lang="es-ES" dirty="0">
+                <a:effectLst>
+                  <a:outerShdw blurRad="38100" dist="38100" dir="2700000" algn="tl">
+                    <a:srgbClr val="000000">
+                      <a:alpha val="43137"/>
+                    </a:srgbClr>
+                  </a:outerShdw>
+                </a:effectLst>
                 <a:latin typeface="Franklin Gothic Medium" panose="020B0603020102020204" pitchFamily="34" charset="0"/>
               </a:rPr>
               <a:t>Ídem método </a:t>
             </a:r>
             <a:r>
               <a:rPr lang="es-ES" dirty="0" err="1">
+                <a:effectLst>
+                  <a:outerShdw blurRad="38100" dist="38100" dir="2700000" algn="tl">
+                    <a:srgbClr val="000000">
+                      <a:alpha val="43137"/>
+                    </a:srgbClr>
+                  </a:outerShdw>
+                </a:effectLst>
                 <a:latin typeface="Franklin Gothic Medium" panose="020B0603020102020204" pitchFamily="34" charset="0"/>
               </a:rPr>
               <a:t>Write</a:t>
             </a:r>
             <a:r>
               <a:rPr lang="es-ES" dirty="0">
+                <a:effectLst>
+                  <a:outerShdw blurRad="38100" dist="38100" dir="2700000" algn="tl">
+                    <a:srgbClr val="000000">
+                      <a:alpha val="43137"/>
+                    </a:srgbClr>
+                  </a:outerShdw>
+                </a:effectLst>
                 <a:latin typeface="Franklin Gothic Medium" panose="020B0603020102020204" pitchFamily="34" charset="0"/>
               </a:rPr>
               <a:t>, pero introduce un salto de línea al final de la cadena.</a:t>
             </a:r>
             <a:endParaRPr lang="es-AR" dirty="0">
+              <a:effectLst>
+                <a:outerShdw blurRad="38100" dist="38100" dir="2700000" algn="tl">
+                  <a:srgbClr val="000000">
+                    <a:alpha val="43137"/>
+                  </a:srgbClr>
+                </a:outerShdw>
+              </a:effectLst>
               <a:latin typeface="Franklin Gothic Medium" panose="020B0603020102020204" pitchFamily="34" charset="0"/>
             </a:endParaRPr>
           </a:p>
@@ -16942,24 +17306,52 @@
             </a:pPr>
             <a:r>
               <a:rPr lang="es-AR" dirty="0" err="1" smtClean="0">
+                <a:effectLst>
+                  <a:outerShdw blurRad="38100" dist="38100" dir="2700000" algn="tl">
+                    <a:srgbClr val="000000">
+                      <a:alpha val="43137"/>
+                    </a:srgbClr>
+                  </a:outerShdw>
+                </a:effectLst>
                 <a:latin typeface="Franklin Gothic Medium" panose="020B0603020102020204" pitchFamily="34" charset="0"/>
               </a:rPr>
               <a:t>BackGroundColor</a:t>
             </a:r>
             <a:r>
               <a:rPr lang="es-AR" dirty="0" smtClean="0">
+                <a:effectLst>
+                  <a:outerShdw blurRad="38100" dist="38100" dir="2700000" algn="tl">
+                    <a:srgbClr val="000000">
+                      <a:alpha val="43137"/>
+                    </a:srgbClr>
+                  </a:outerShdw>
+                </a:effectLst>
                 <a:latin typeface="Franklin Gothic Medium" panose="020B0603020102020204" pitchFamily="34" charset="0"/>
               </a:rPr>
               <a:t>: Obtiene </a:t>
             </a:r>
             <a:r>
               <a:rPr lang="es-AR" dirty="0">
+                <a:effectLst>
+                  <a:outerShdw blurRad="38100" dist="38100" dir="2700000" algn="tl">
+                    <a:srgbClr val="000000">
+                      <a:alpha val="43137"/>
+                    </a:srgbClr>
+                  </a:outerShdw>
+                </a:effectLst>
                 <a:latin typeface="Franklin Gothic Medium" panose="020B0603020102020204" pitchFamily="34" charset="0"/>
               </a:rPr>
               <a:t>o establece el color de fondo de la consola</a:t>
             </a:r>
             <a:r>
               <a:rPr lang="es-AR" dirty="0" smtClean="0">
+                <a:effectLst>
+                  <a:outerShdw blurRad="38100" dist="38100" dir="2700000" algn="tl">
+                    <a:srgbClr val="000000">
+                      <a:alpha val="43137"/>
+                    </a:srgbClr>
+                  </a:outerShdw>
+                </a:effectLst>
                 <a:latin typeface="Franklin Gothic Medium" panose="020B0603020102020204" pitchFamily="34" charset="0"/>
               </a:rPr>
               <a:t>.</a:t>
@@ -16970,6 +17362,13 @@
               <a:defRPr/>
             </a:pPr>
             <a:endParaRPr lang="es-AR" dirty="0">
+              <a:effectLst>
+                <a:outerShdw blurRad="38100" dist="38100" dir="2700000" algn="tl">
+                  <a:srgbClr val="000000">
+                    <a:alpha val="43137"/>
+                  </a:srgbClr>
+                </a:outerShdw>
+              </a:effectLst>
               <a:latin typeface="Franklin Gothic Medium" panose="020B0603020102020204" pitchFamily="34" charset="0"/>
             </a:endParaRPr>
           </a:p>
@@ -16979,24 +17378,52 @@
             </a:pPr>
             <a:r>
               <a:rPr lang="es-AR" dirty="0" err="1" smtClean="0">
+                <a:effectLst>
+                  <a:outerShdw blurRad="38100" dist="38100" dir="2700000" algn="tl">
+                    <a:srgbClr val="000000">
+                      <a:alpha val="43137"/>
+                    </a:srgbClr>
+                  </a:outerShdw>
+                </a:effectLst>
                 <a:latin typeface="Franklin Gothic Medium" panose="020B0603020102020204" pitchFamily="34" charset="0"/>
               </a:rPr>
               <a:t>ForeGroundColor</a:t>
             </a:r>
             <a:r>
               <a:rPr lang="es-AR" dirty="0" smtClean="0">
+                <a:effectLst>
+                  <a:outerShdw blurRad="38100" dist="38100" dir="2700000" algn="tl">
+                    <a:srgbClr val="000000">
+                      <a:alpha val="43137"/>
+                    </a:srgbClr>
+                  </a:outerShdw>
+                </a:effectLst>
                 <a:latin typeface="Franklin Gothic Medium" panose="020B0603020102020204" pitchFamily="34" charset="0"/>
               </a:rPr>
               <a:t>: Obtiene </a:t>
             </a:r>
             <a:r>
               <a:rPr lang="es-AR" dirty="0">
+                <a:effectLst>
+                  <a:outerShdw blurRad="38100" dist="38100" dir="2700000" algn="tl">
+                    <a:srgbClr val="000000">
+                      <a:alpha val="43137"/>
+                    </a:srgbClr>
+                  </a:outerShdw>
+                </a:effectLst>
                 <a:latin typeface="Franklin Gothic Medium" panose="020B0603020102020204" pitchFamily="34" charset="0"/>
               </a:rPr>
               <a:t>o establece el color del texto de la consola</a:t>
             </a:r>
             <a:r>
               <a:rPr lang="es-AR" dirty="0" smtClean="0">
+                <a:effectLst>
+                  <a:outerShdw blurRad="38100" dist="38100" dir="2700000" algn="tl">
+                    <a:srgbClr val="000000">
+                      <a:alpha val="43137"/>
+                    </a:srgbClr>
+                  </a:outerShdw>
+                </a:effectLst>
                 <a:latin typeface="Franklin Gothic Medium" panose="020B0603020102020204" pitchFamily="34" charset="0"/>
               </a:rPr>
               <a:t>.</a:t>
@@ -17007,6 +17434,13 @@
               <a:defRPr/>
             </a:pPr>
             <a:endParaRPr lang="es-AR" dirty="0">
+              <a:effectLst>
+                <a:outerShdw blurRad="38100" dist="38100" dir="2700000" algn="tl">
+                  <a:srgbClr val="000000">
+                    <a:alpha val="43137"/>
+                  </a:srgbClr>
+                </a:outerShdw>
+              </a:effectLst>
               <a:latin typeface="Franklin Gothic Medium" panose="020B0603020102020204" pitchFamily="34" charset="0"/>
             </a:endParaRPr>
           </a:p>
@@ -17016,18 +17450,39 @@
             </a:pPr>
             <a:r>
               <a:rPr lang="es-AR" dirty="0" err="1" smtClean="0">
+                <a:effectLst>
+                  <a:outerShdw blurRad="38100" dist="38100" dir="2700000" algn="tl">
+                    <a:srgbClr val="000000">
+                      <a:alpha val="43137"/>
+                    </a:srgbClr>
+                  </a:outerShdw>
+                </a:effectLst>
                 <a:latin typeface="Franklin Gothic Medium" panose="020B0603020102020204" pitchFamily="34" charset="0"/>
               </a:rPr>
               <a:t>Title</a:t>
             </a:r>
             <a:r>
               <a:rPr lang="es-AR" dirty="0" smtClean="0">
+                <a:effectLst>
+                  <a:outerShdw blurRad="38100" dist="38100" dir="2700000" algn="tl">
+                    <a:srgbClr val="000000">
+                      <a:alpha val="43137"/>
+                    </a:srgbClr>
+                  </a:outerShdw>
+                </a:effectLst>
                 <a:latin typeface="Franklin Gothic Medium" panose="020B0603020102020204" pitchFamily="34" charset="0"/>
               </a:rPr>
               <a:t>: Obtiene </a:t>
             </a:r>
             <a:r>
               <a:rPr lang="es-AR" dirty="0">
+                <a:effectLst>
+                  <a:outerShdw blurRad="38100" dist="38100" dir="2700000" algn="tl">
+                    <a:srgbClr val="000000">
+                      <a:alpha val="43137"/>
+                    </a:srgbClr>
+                  </a:outerShdw>
+                </a:effectLst>
                 <a:latin typeface="Franklin Gothic Medium" panose="020B0603020102020204" pitchFamily="34" charset="0"/>
               </a:rPr>
               <a:t>o establece el título de la consola.</a:t>
@@ -17855,7 +18310,9 @@
                 </a:solidFill>
                 <a:effectLst>
                   <a:outerShdw blurRad="38100" dist="38100" dir="2700000" algn="tl">
-                    <a:srgbClr val="000000"/>
+                    <a:srgbClr val="000000">
+                      <a:alpha val="43137"/>
+                    </a:srgbClr>
                   </a:outerShdw>
                 </a:effectLst>
                 <a:latin typeface="Franklin Gothic Medium"/>
@@ -17871,7 +18328,9 @@
                 </a:solidFill>
                 <a:effectLst>
                   <a:outerShdw blurRad="38100" dist="38100" dir="2700000" algn="tl">
-                    <a:srgbClr val="000000"/>
+                    <a:srgbClr val="000000">
+                      <a:alpha val="43137"/>
+                    </a:srgbClr>
                   </a:outerShdw>
                 </a:effectLst>
                 <a:latin typeface="Franklin Gothic Medium"/>
@@ -24967,6 +25426,13 @@
             </a:pPr>
             <a:r>
               <a:rPr lang="es-ES" dirty="0">
+                <a:effectLst>
+                  <a:outerShdw blurRad="38100" dist="38100" dir="2700000" algn="tl">
+                    <a:srgbClr val="000000">
+                      <a:alpha val="43137"/>
+                    </a:srgbClr>
+                  </a:outerShdw>
+                </a:effectLst>
                 <a:latin typeface="Franklin Gothic Medium" panose="020B0603020102020204" pitchFamily="34" charset="0"/>
               </a:rPr>
               <a:t>Enteros</a:t>
@@ -24978,6 +25444,13 @@
             </a:pPr>
             <a:r>
               <a:rPr lang="es-ES" dirty="0">
+                <a:effectLst>
+                  <a:outerShdw blurRad="38100" dist="38100" dir="2700000" algn="tl">
+                    <a:srgbClr val="000000">
+                      <a:alpha val="43137"/>
+                    </a:srgbClr>
+                  </a:outerShdw>
+                </a:effectLst>
                 <a:latin typeface="Franklin Gothic Medium" panose="020B0603020102020204" pitchFamily="34" charset="0"/>
               </a:rPr>
               <a:t>0 (cero)</a:t>
@@ -24989,6 +25462,13 @@
             </a:pPr>
             <a:r>
               <a:rPr lang="es-ES" dirty="0">
+                <a:effectLst>
+                  <a:outerShdw blurRad="38100" dist="38100" dir="2700000" algn="tl">
+                    <a:srgbClr val="000000">
+                      <a:alpha val="43137"/>
+                    </a:srgbClr>
+                  </a:outerShdw>
+                </a:effectLst>
                 <a:latin typeface="Franklin Gothic Medium" panose="020B0603020102020204" pitchFamily="34" charset="0"/>
               </a:rPr>
               <a:t>Punto flotante</a:t>
@@ -25000,6 +25480,13 @@
             </a:pPr>
             <a:r>
               <a:rPr lang="es-ES" dirty="0">
+                <a:effectLst>
+                  <a:outerShdw blurRad="38100" dist="38100" dir="2700000" algn="tl">
+                    <a:srgbClr val="000000">
+                      <a:alpha val="43137"/>
+                    </a:srgbClr>
+                  </a:outerShdw>
+                </a:effectLst>
                 <a:latin typeface="Franklin Gothic Medium" panose="020B0603020102020204" pitchFamily="34" charset="0"/>
               </a:rPr>
               <a:t>0 (cero)</a:t>
@@ -25011,6 +25498,13 @@
             </a:pPr>
             <a:r>
               <a:rPr lang="es-ES" dirty="0">
+                <a:effectLst>
+                  <a:outerShdw blurRad="38100" dist="38100" dir="2700000" algn="tl">
+                    <a:srgbClr val="000000">
+                      <a:alpha val="43137"/>
+                    </a:srgbClr>
+                  </a:outerShdw>
+                </a:effectLst>
                 <a:latin typeface="Franklin Gothic Medium" panose="020B0603020102020204" pitchFamily="34" charset="0"/>
               </a:rPr>
               <a:t>Lógicos</a:t>
@@ -25022,6 +25516,13 @@
             </a:pPr>
             <a:r>
               <a:rPr lang="es-ES" dirty="0">
+                <a:effectLst>
+                  <a:outerShdw blurRad="38100" dist="38100" dir="2700000" algn="tl">
+                    <a:srgbClr val="000000">
+                      <a:alpha val="43137"/>
+                    </a:srgbClr>
+                  </a:outerShdw>
+                </a:effectLst>
                 <a:latin typeface="Franklin Gothic Medium" panose="020B0603020102020204" pitchFamily="34" charset="0"/>
               </a:rPr>
               <a:t>False</a:t>
@@ -25033,6 +25534,13 @@
             </a:pPr>
             <a:r>
               <a:rPr lang="es-ES" dirty="0">
+                <a:effectLst>
+                  <a:outerShdw blurRad="38100" dist="38100" dir="2700000" algn="tl">
+                    <a:srgbClr val="000000">
+                      <a:alpha val="43137"/>
+                    </a:srgbClr>
+                  </a:outerShdw>
+                </a:effectLst>
                 <a:latin typeface="Franklin Gothic Medium" panose="020B0603020102020204" pitchFamily="34" charset="0"/>
               </a:rPr>
               <a:t>Referencias</a:t>
@@ -25044,11 +25552,25 @@
             </a:pPr>
             <a:r>
               <a:rPr lang="es-ES" dirty="0" err="1" smtClean="0">
+                <a:effectLst>
+                  <a:outerShdw blurRad="38100" dist="38100" dir="2700000" algn="tl">
+                    <a:srgbClr val="000000">
+                      <a:alpha val="43137"/>
+                    </a:srgbClr>
+                  </a:outerShdw>
+                </a:effectLst>
                 <a:latin typeface="Franklin Gothic Medium" panose="020B0603020102020204" pitchFamily="34" charset="0"/>
               </a:rPr>
               <a:t>Null</a:t>
             </a:r>
             <a:endParaRPr lang="es-ES" dirty="0">
+              <a:effectLst>
+                <a:outerShdw blurRad="38100" dist="38100" dir="2700000" algn="tl">
+                  <a:srgbClr val="000000">
+                    <a:alpha val="43137"/>
+                  </a:srgbClr>
+                </a:outerShdw>
+              </a:effectLst>
               <a:latin typeface="Franklin Gothic Medium" panose="020B0603020102020204" pitchFamily="34" charset="0"/>
             </a:endParaRPr>
           </a:p>
@@ -25131,6 +25653,13 @@
           <a:p>
             <a:r>
               <a:rPr lang="es-AR" dirty="0" smtClean="0">
+                <a:effectLst>
+                  <a:outerShdw blurRad="38100" dist="38100" dir="2700000" algn="tl">
+                    <a:srgbClr val="000000">
+                      <a:alpha val="43137"/>
+                    </a:srgbClr>
+                  </a:outerShdw>
+                </a:effectLst>
                 <a:latin typeface="Franklin Gothic Medium" panose="020B0603020102020204" pitchFamily="34" charset="0"/>
               </a:rPr>
               <a:t>Implícitas: no interviene el programador</a:t>
@@ -25138,27 +25667,62 @@
           </a:p>
           <a:p>
             <a:endParaRPr lang="es-AR" dirty="0">
+              <a:effectLst>
+                <a:outerShdw blurRad="38100" dist="38100" dir="2700000" algn="tl">
+                  <a:srgbClr val="000000">
+                    <a:alpha val="43137"/>
+                  </a:srgbClr>
+                </a:outerShdw>
+              </a:effectLst>
               <a:latin typeface="Franklin Gothic Medium" panose="020B0603020102020204" pitchFamily="34" charset="0"/>
             </a:endParaRPr>
           </a:p>
           <a:p>
             <a:endParaRPr lang="es-AR" dirty="0" smtClean="0">
+              <a:effectLst>
+                <a:outerShdw blurRad="38100" dist="38100" dir="2700000" algn="tl">
+                  <a:srgbClr val="000000">
+                    <a:alpha val="43137"/>
+                  </a:srgbClr>
+                </a:outerShdw>
+              </a:effectLst>
               <a:latin typeface="Franklin Gothic Medium" panose="020B0603020102020204" pitchFamily="34" charset="0"/>
             </a:endParaRPr>
           </a:p>
           <a:p>
             <a:endParaRPr lang="es-AR" dirty="0" smtClean="0">
+              <a:effectLst>
+                <a:outerShdw blurRad="38100" dist="38100" dir="2700000" algn="tl">
+                  <a:srgbClr val="000000">
+                    <a:alpha val="43137"/>
+                  </a:srgbClr>
+                </a:outerShdw>
+              </a:effectLst>
               <a:latin typeface="Franklin Gothic Medium" panose="020B0603020102020204" pitchFamily="34" charset="0"/>
             </a:endParaRPr>
           </a:p>
           <a:p>
             <a:r>
               <a:rPr lang="es-AR" dirty="0" smtClean="0">
+                <a:effectLst>
+                  <a:outerShdw blurRad="38100" dist="38100" dir="2700000" algn="tl">
+                    <a:srgbClr val="000000">
+                      <a:alpha val="43137"/>
+                    </a:srgbClr>
+                  </a:outerShdw>
+                </a:effectLst>
                 <a:latin typeface="Franklin Gothic Medium" panose="020B0603020102020204" pitchFamily="34" charset="0"/>
               </a:rPr>
               <a:t>Explícitas: interviene el programador, ya que puede haber perdida de datos.</a:t>
             </a:r>
             <a:endParaRPr lang="es-AR" dirty="0">
+              <a:effectLst>
+                <a:outerShdw blurRad="38100" dist="38100" dir="2700000" algn="tl">
+                  <a:srgbClr val="000000">
+                    <a:alpha val="43137"/>
+                  </a:srgbClr>
+                </a:outerShdw>
+              </a:effectLst>
               <a:latin typeface="Franklin Gothic Medium" panose="020B0603020102020204" pitchFamily="34" charset="0"/>
             </a:endParaRPr>
           </a:p>
